--- a/project/presentation/ece574_final_project.pptx
+++ b/project/presentation/ece574_final_project.pptx
@@ -6,12 +6,12 @@
   </p:sldMasterIdLst>
   <p:sldIdLst>
     <p:sldId id="256" r:id="rId2"/>
-    <p:sldId id="262" r:id="rId3"/>
-    <p:sldId id="257" r:id="rId4"/>
-    <p:sldId id="258" r:id="rId5"/>
-    <p:sldId id="259" r:id="rId6"/>
-    <p:sldId id="263" r:id="rId7"/>
-    <p:sldId id="260" r:id="rId8"/>
+    <p:sldId id="260" r:id="rId3"/>
+    <p:sldId id="262" r:id="rId4"/>
+    <p:sldId id="257" r:id="rId5"/>
+    <p:sldId id="258" r:id="rId6"/>
+    <p:sldId id="259" r:id="rId7"/>
+    <p:sldId id="263" r:id="rId8"/>
     <p:sldId id="261" r:id="rId9"/>
     <p:sldId id="264" r:id="rId10"/>
   </p:sldIdLst>
@@ -112,6 +112,11 @@
       </a:defRPr>
     </a:lvl9pPr>
   </p:defaultTextStyle>
+  <p:extLst>
+    <p:ext uri="{EFAFB233-063F-42B5-8137-9DF3F51BA10A}">
+      <p15:sldGuideLst xmlns:p15="http://schemas.microsoft.com/office/powerpoint/2012/main"/>
+    </p:ext>
+  </p:extLst>
 </p:presentation>
 </file>
 
@@ -619,11 +624,11 @@
         </c:dLbls>
         <c:gapWidth val="444"/>
         <c:overlap val="-90"/>
-        <c:axId val="-2046431520"/>
-        <c:axId val="-2046428688"/>
+        <c:axId val="1877704560"/>
+        <c:axId val="1877707392"/>
       </c:barChart>
       <c:catAx>
-        <c:axId val="-2046431520"/>
+        <c:axId val="1877704560"/>
         <c:scaling>
           <c:orientation val="minMax"/>
         </c:scaling>
@@ -680,7 +685,7 @@
             <a:endParaRPr lang="en-US"/>
           </a:p>
         </c:txPr>
-        <c:crossAx val="-2046428688"/>
+        <c:crossAx val="1877707392"/>
         <c:crosses val="autoZero"/>
         <c:auto val="1"/>
         <c:lblAlgn val="ctr"/>
@@ -688,7 +693,7 @@
         <c:noMultiLvlLbl val="0"/>
       </c:catAx>
       <c:valAx>
-        <c:axId val="-2046428688"/>
+        <c:axId val="1877707392"/>
         <c:scaling>
           <c:orientation val="minMax"/>
         </c:scaling>
@@ -697,7 +702,7 @@
         <c:majorTickMark val="none"/>
         <c:minorTickMark val="none"/>
         <c:tickLblPos val="nextTo"/>
-        <c:crossAx val="-2046431520"/>
+        <c:crossAx val="1877704560"/>
         <c:crosses val="autoZero"/>
         <c:crossBetween val="between"/>
       </c:valAx>
@@ -1290,11 +1295,11 @@
         </c:dLbls>
         <c:gapWidth val="444"/>
         <c:overlap val="-90"/>
-        <c:axId val="-2110878432"/>
-        <c:axId val="-2111668960"/>
+        <c:axId val="1878859872"/>
+        <c:axId val="1878863136"/>
       </c:barChart>
       <c:catAx>
-        <c:axId val="-2110878432"/>
+        <c:axId val="1878859872"/>
         <c:scaling>
           <c:orientation val="minMax"/>
         </c:scaling>
@@ -1351,7 +1356,7 @@
             <a:endParaRPr lang="en-US"/>
           </a:p>
         </c:txPr>
-        <c:crossAx val="-2111668960"/>
+        <c:crossAx val="1878863136"/>
         <c:crosses val="autoZero"/>
         <c:auto val="1"/>
         <c:lblAlgn val="ctr"/>
@@ -1359,7 +1364,7 @@
         <c:noMultiLvlLbl val="0"/>
       </c:catAx>
       <c:valAx>
-        <c:axId val="-2111668960"/>
+        <c:axId val="1878863136"/>
         <c:scaling>
           <c:orientation val="minMax"/>
         </c:scaling>
@@ -1369,7 +1374,7 @@
         <c:majorTickMark val="none"/>
         <c:minorTickMark val="none"/>
         <c:tickLblPos val="nextTo"/>
-        <c:crossAx val="-2110878432"/>
+        <c:crossAx val="1878859872"/>
         <c:crosses val="autoZero"/>
         <c:crossBetween val="between"/>
       </c:valAx>
@@ -1657,10 +1662,10 @@
                   <c:v>8.78</c:v>
                 </c:pt>
                 <c:pt idx="4">
-                  <c:v>4.86</c:v>
+                  <c:v>4.859999999999999</c:v>
                 </c:pt>
                 <c:pt idx="5">
-                  <c:v>5.36</c:v>
+                  <c:v>5.359999999999999</c:v>
                 </c:pt>
               </c:numCache>
             </c:numRef>
@@ -1951,11 +1956,11 @@
         </c:dLbls>
         <c:gapWidth val="444"/>
         <c:overlap val="-90"/>
-        <c:axId val="-2133026272"/>
-        <c:axId val="-2133023440"/>
+        <c:axId val="1878900816"/>
+        <c:axId val="1878904080"/>
       </c:barChart>
       <c:catAx>
-        <c:axId val="-2133026272"/>
+        <c:axId val="1878900816"/>
         <c:scaling>
           <c:orientation val="minMax"/>
         </c:scaling>
@@ -2012,7 +2017,7 @@
             <a:endParaRPr lang="en-US"/>
           </a:p>
         </c:txPr>
-        <c:crossAx val="-2133023440"/>
+        <c:crossAx val="1878904080"/>
         <c:crosses val="autoZero"/>
         <c:auto val="1"/>
         <c:lblAlgn val="ctr"/>
@@ -2020,7 +2025,7 @@
         <c:noMultiLvlLbl val="0"/>
       </c:catAx>
       <c:valAx>
-        <c:axId val="-2133023440"/>
+        <c:axId val="1878904080"/>
         <c:scaling>
           <c:orientation val="minMax"/>
         </c:scaling>
@@ -2029,7 +2034,7 @@
         <c:majorTickMark val="none"/>
         <c:minorTickMark val="none"/>
         <c:tickLblPos val="nextTo"/>
-        <c:crossAx val="-2133026272"/>
+        <c:crossAx val="1878900816"/>
         <c:crosses val="autoZero"/>
         <c:crossBetween val="between"/>
       </c:valAx>
@@ -4017,7 +4022,7 @@
             <a:fld id="{5586B75A-687E-405C-8A0B-8D00578BA2C3}" type="datetimeFigureOut">
               <a:rPr lang="en-US" dirty="0"/>
               <a:pPr/>
-              <a:t>5/3/17</a:t>
+              <a:t>5/4/17</a:t>
             </a:fld>
             <a:endParaRPr lang="en-US" dirty="0"/>
           </a:p>
@@ -4184,7 +4189,7 @@
             <a:fld id="{5586B75A-687E-405C-8A0B-8D00578BA2C3}" type="datetimeFigureOut">
               <a:rPr lang="en-US" dirty="0"/>
               <a:pPr/>
-              <a:t>5/3/17</a:t>
+              <a:t>5/4/17</a:t>
             </a:fld>
             <a:endParaRPr lang="en-US" dirty="0"/>
           </a:p>
@@ -4361,7 +4366,7 @@
             <a:fld id="{5586B75A-687E-405C-8A0B-8D00578BA2C3}" type="datetimeFigureOut">
               <a:rPr lang="en-US" dirty="0"/>
               <a:pPr/>
-              <a:t>5/3/17</a:t>
+              <a:t>5/4/17</a:t>
             </a:fld>
             <a:endParaRPr lang="en-US" dirty="0"/>
           </a:p>
@@ -4528,7 +4533,7 @@
             <a:fld id="{5586B75A-687E-405C-8A0B-8D00578BA2C3}" type="datetimeFigureOut">
               <a:rPr lang="en-US" dirty="0"/>
               <a:pPr/>
-              <a:t>5/3/17</a:t>
+              <a:t>5/4/17</a:t>
             </a:fld>
             <a:endParaRPr lang="en-US" dirty="0"/>
           </a:p>
@@ -4783,7 +4788,7 @@
             <a:fld id="{5586B75A-687E-405C-8A0B-8D00578BA2C3}" type="datetimeFigureOut">
               <a:rPr lang="en-US" dirty="0"/>
               <a:pPr/>
-              <a:t>5/3/17</a:t>
+              <a:t>5/4/17</a:t>
             </a:fld>
             <a:endParaRPr lang="en-US" dirty="0"/>
           </a:p>
@@ -5068,7 +5073,7 @@
             <a:fld id="{5586B75A-687E-405C-8A0B-8D00578BA2C3}" type="datetimeFigureOut">
               <a:rPr lang="en-US" dirty="0"/>
               <a:pPr/>
-              <a:t>5/3/17</a:t>
+              <a:t>5/4/17</a:t>
             </a:fld>
             <a:endParaRPr lang="en-US" dirty="0"/>
           </a:p>
@@ -5507,7 +5512,7 @@
             <a:fld id="{5586B75A-687E-405C-8A0B-8D00578BA2C3}" type="datetimeFigureOut">
               <a:rPr lang="en-US" dirty="0"/>
               <a:pPr/>
-              <a:t>5/3/17</a:t>
+              <a:t>5/4/17</a:t>
             </a:fld>
             <a:endParaRPr lang="en-US" dirty="0"/>
           </a:p>
@@ -5622,7 +5627,7 @@
             <a:fld id="{5586B75A-687E-405C-8A0B-8D00578BA2C3}" type="datetimeFigureOut">
               <a:rPr lang="en-US" dirty="0"/>
               <a:pPr/>
-              <a:t>5/3/17</a:t>
+              <a:t>5/4/17</a:t>
             </a:fld>
             <a:endParaRPr lang="en-US" dirty="0"/>
           </a:p>
@@ -5714,7 +5719,7 @@
             <a:fld id="{5586B75A-687E-405C-8A0B-8D00578BA2C3}" type="datetimeFigureOut">
               <a:rPr lang="en-US" dirty="0"/>
               <a:pPr/>
-              <a:t>5/3/17</a:t>
+              <a:t>5/4/17</a:t>
             </a:fld>
             <a:endParaRPr lang="en-US" dirty="0"/>
           </a:p>
@@ -5999,7 +6004,7 @@
             <a:fld id="{5586B75A-687E-405C-8A0B-8D00578BA2C3}" type="datetimeFigureOut">
               <a:rPr lang="en-US" dirty="0"/>
               <a:pPr/>
-              <a:t>5/3/17</a:t>
+              <a:t>5/4/17</a:t>
             </a:fld>
             <a:endParaRPr lang="en-US" dirty="0"/>
           </a:p>
@@ -6269,7 +6274,7 @@
             <a:fld id="{5586B75A-687E-405C-8A0B-8D00578BA2C3}" type="datetimeFigureOut">
               <a:rPr lang="en-US" dirty="0"/>
               <a:pPr/>
-              <a:t>5/3/17</a:t>
+              <a:t>5/4/17</a:t>
             </a:fld>
             <a:endParaRPr lang="en-US" dirty="0"/>
           </a:p>
@@ -6563,7 +6568,7 @@
             <a:fld id="{5586B75A-687E-405C-8A0B-8D00578BA2C3}" type="datetimeFigureOut">
               <a:rPr lang="en-US" dirty="0"/>
               <a:pPr/>
-              <a:t>5/3/17</a:t>
+              <a:t>5/4/17</a:t>
             </a:fld>
             <a:endParaRPr lang="en-US" dirty="0"/>
           </a:p>
@@ -7175,7 +7180,7 @@
           <a:p>
             <a:r>
               <a:rPr lang="en-US" dirty="0" smtClean="0"/>
-              <a:t>Calculate pi benchmark</a:t>
+              <a:t>Other attempts</a:t>
             </a:r>
             <a:endParaRPr lang="en-US" dirty="0"/>
           </a:p>
@@ -7198,9 +7203,143 @@
           <a:p>
             <a:r>
               <a:rPr lang="en-US" dirty="0"/>
+              <a:t>A</a:t>
+            </a:r>
+            <a:r>
+              <a:rPr lang="en-US" dirty="0" smtClean="0"/>
+              <a:t>dd other remote nodes to pi-cluster, but it is behind the firewall,  very difficult.</a:t>
+            </a:r>
+          </a:p>
+          <a:p>
+            <a:r>
+              <a:rPr lang="en-US" dirty="0"/>
+              <a:t>P</a:t>
+            </a:r>
+            <a:r>
+              <a:rPr lang="en-US" dirty="0" smtClean="0"/>
+              <a:t>ropose Matrix multiply but it is too common.</a:t>
+            </a:r>
+          </a:p>
+          <a:p>
+            <a:r>
+              <a:rPr lang="en-US" dirty="0"/>
+              <a:t>S</a:t>
+            </a:r>
+            <a:r>
+              <a:rPr lang="en-US" dirty="0" smtClean="0"/>
+              <a:t>olve </a:t>
+            </a:r>
+            <a:r>
+              <a:rPr lang="en-US" dirty="0"/>
+              <a:t>Ordinary differential </a:t>
+            </a:r>
+            <a:r>
+              <a:rPr lang="en-US" dirty="0" smtClean="0"/>
+              <a:t>equation using parallel code, then find that the data points are dependent, there are articles about 4</a:t>
+            </a:r>
+            <a:r>
+              <a:rPr lang="en-US" baseline="30000" dirty="0" smtClean="0"/>
+              <a:t>th</a:t>
+            </a:r>
+            <a:r>
+              <a:rPr lang="en-US" dirty="0" smtClean="0"/>
+              <a:t> order problem, could not understand.</a:t>
+            </a:r>
+          </a:p>
+          <a:p>
+            <a:r>
+              <a:rPr lang="en-US" dirty="0" smtClean="0"/>
+              <a:t>Solve initial condition boundary optimization problem using parallel code, but it also requires gradient search that is dependent.</a:t>
+            </a:r>
+          </a:p>
+          <a:p>
+            <a:r>
+              <a:rPr lang="en-US" dirty="0" smtClean="0"/>
+              <a:t>Finally find that the integral would not be dependent so attempt on find pi with integration.</a:t>
+            </a:r>
+            <a:endParaRPr lang="en-US" dirty="0"/>
+          </a:p>
+        </p:txBody>
+      </p:sp>
+    </p:spTree>
+    <p:extLst>
+      <p:ext uri="{BB962C8B-B14F-4D97-AF65-F5344CB8AC3E}">
+        <p14:creationId xmlns:p14="http://schemas.microsoft.com/office/powerpoint/2010/main" val="1083469700"/>
+      </p:ext>
+    </p:extLst>
+  </p:cSld>
+  <p:clrMapOvr>
+    <a:masterClrMapping/>
+  </p:clrMapOvr>
+  <p:timing>
+    <p:tnLst>
+      <p:par>
+        <p:cTn id="1" dur="indefinite" restart="never" nodeType="tmRoot"/>
+      </p:par>
+    </p:tnLst>
+  </p:timing>
+</p:sld>
+</file>
+
+<file path=ppt/slides/slide3.xml><?xml version="1.0" encoding="utf-8"?>
+<p:sld xmlns:a="http://schemas.openxmlformats.org/drawingml/2006/main" xmlns:r="http://schemas.openxmlformats.org/officeDocument/2006/relationships" xmlns:p="http://schemas.openxmlformats.org/presentationml/2006/main">
+  <p:cSld>
+    <p:spTree>
+      <p:nvGrpSpPr>
+        <p:cNvPr id="1" name=""/>
+        <p:cNvGrpSpPr/>
+        <p:nvPr/>
+      </p:nvGrpSpPr>
+      <p:grpSpPr>
+        <a:xfrm>
+          <a:off x="0" y="0"/>
+          <a:ext cx="0" cy="0"/>
+          <a:chOff x="0" y="0"/>
+          <a:chExt cx="0" cy="0"/>
+        </a:xfrm>
+      </p:grpSpPr>
+      <p:sp>
+        <p:nvSpPr>
+          <p:cNvPr id="2" name="Title 1"/>
+          <p:cNvSpPr>
+            <a:spLocks noGrp="1"/>
+          </p:cNvSpPr>
+          <p:nvPr>
+            <p:ph type="title"/>
+          </p:nvPr>
+        </p:nvSpPr>
+        <p:spPr/>
+        <p:txBody>
+          <a:bodyPr/>
+          <a:lstStyle/>
+          <a:p>
+            <a:r>
+              <a:rPr lang="en-US" dirty="0" smtClean="0"/>
+              <a:t>Calculate pi benchmark</a:t>
+            </a:r>
+            <a:endParaRPr lang="en-US" dirty="0"/>
+          </a:p>
+        </p:txBody>
+      </p:sp>
+      <p:sp>
+        <p:nvSpPr>
+          <p:cNvPr id="3" name="Content Placeholder 2"/>
+          <p:cNvSpPr>
+            <a:spLocks noGrp="1"/>
+          </p:cNvSpPr>
+          <p:nvPr>
+            <p:ph idx="1"/>
+          </p:nvPr>
+        </p:nvSpPr>
+        <p:spPr/>
+        <p:txBody>
+          <a:bodyPr/>
+          <a:lstStyle/>
+          <a:p>
+            <a:r>
+              <a:rPr lang="en-US" dirty="0"/>
               <a:t>Message Passing Interface (MPI) </a:t>
             </a:r>
-            <a:endParaRPr lang="en-US" dirty="0"/>
           </a:p>
           <a:p>
             <a:r>
@@ -7320,7 +7459,7 @@
 </p:sld>
 </file>
 
-<file path=ppt/slides/slide3.xml><?xml version="1.0" encoding="utf-8"?>
+<file path=ppt/slides/slide4.xml><?xml version="1.0" encoding="utf-8"?>
 <p:sld xmlns:a="http://schemas.openxmlformats.org/drawingml/2006/main" xmlns:r="http://schemas.openxmlformats.org/officeDocument/2006/relationships" xmlns:p="http://schemas.openxmlformats.org/presentationml/2006/main">
   <p:cSld>
     <p:spTree>
@@ -7433,7 +7572,7 @@
 </p:sld>
 </file>
 
-<file path=ppt/slides/slide4.xml><?xml version="1.0" encoding="utf-8"?>
+<file path=ppt/slides/slide5.xml><?xml version="1.0" encoding="utf-8"?>
 <p:sld xmlns:a="http://schemas.openxmlformats.org/drawingml/2006/main" xmlns:r="http://schemas.openxmlformats.org/officeDocument/2006/relationships" xmlns:p="http://schemas.openxmlformats.org/presentationml/2006/main">
   <p:cSld>
     <p:spTree>
@@ -7536,7 +7675,7 @@
 </p:sld>
 </file>
 
-<file path=ppt/slides/slide5.xml><?xml version="1.0" encoding="utf-8"?>
+<file path=ppt/slides/slide6.xml><?xml version="1.0" encoding="utf-8"?>
 <p:sld xmlns:a="http://schemas.openxmlformats.org/drawingml/2006/main" xmlns:r="http://schemas.openxmlformats.org/officeDocument/2006/relationships" xmlns:p="http://schemas.openxmlformats.org/presentationml/2006/main">
   <p:cSld>
     <p:spTree>
@@ -7643,101 +7782,6 @@
 </p:sld>
 </file>
 
-<file path=ppt/slides/slide6.xml><?xml version="1.0" encoding="utf-8"?>
-<p:sld xmlns:a="http://schemas.openxmlformats.org/drawingml/2006/main" xmlns:r="http://schemas.openxmlformats.org/officeDocument/2006/relationships" xmlns:p="http://schemas.openxmlformats.org/presentationml/2006/main">
-  <p:cSld>
-    <p:spTree>
-      <p:nvGrpSpPr>
-        <p:cNvPr id="1" name=""/>
-        <p:cNvGrpSpPr/>
-        <p:nvPr/>
-      </p:nvGrpSpPr>
-      <p:grpSpPr>
-        <a:xfrm>
-          <a:off x="0" y="0"/>
-          <a:ext cx="0" cy="0"/>
-          <a:chOff x="0" y="0"/>
-          <a:chExt cx="0" cy="0"/>
-        </a:xfrm>
-      </p:grpSpPr>
-      <p:sp>
-        <p:nvSpPr>
-          <p:cNvPr id="2" name="Title 1"/>
-          <p:cNvSpPr>
-            <a:spLocks noGrp="1"/>
-          </p:cNvSpPr>
-          <p:nvPr>
-            <p:ph type="title"/>
-          </p:nvPr>
-        </p:nvSpPr>
-        <p:spPr/>
-        <p:txBody>
-          <a:bodyPr/>
-          <a:lstStyle/>
-          <a:p>
-            <a:r>
-              <a:rPr lang="en-US" dirty="0"/>
-              <a:t>C</a:t>
-            </a:r>
-            <a:r>
-              <a:rPr lang="en-US" dirty="0" smtClean="0"/>
-              <a:t>hallenge</a:t>
-            </a:r>
-            <a:endParaRPr lang="en-US" dirty="0"/>
-          </a:p>
-        </p:txBody>
-      </p:sp>
-      <p:sp>
-        <p:nvSpPr>
-          <p:cNvPr id="3" name="Content Placeholder 2"/>
-          <p:cNvSpPr>
-            <a:spLocks noGrp="1"/>
-          </p:cNvSpPr>
-          <p:nvPr>
-            <p:ph idx="1"/>
-          </p:nvPr>
-        </p:nvSpPr>
-        <p:spPr/>
-        <p:txBody>
-          <a:bodyPr/>
-          <a:lstStyle/>
-          <a:p>
-            <a:r>
-              <a:rPr lang="en-US" dirty="0" smtClean="0"/>
-              <a:t>Serial code is giving more accurate results(the correct digits after decimal point) than the parallel code.</a:t>
-            </a:r>
-          </a:p>
-          <a:p>
-            <a:r>
-              <a:rPr lang="en-US" dirty="0" smtClean="0"/>
-              <a:t>Probably cause by when the double precision data is passed among the nodes, the last few digits of the double precision data is not holding pretty good, rounding errors, cause the calculation of pi last few digits after the decimal points are not correct.</a:t>
-            </a:r>
-          </a:p>
-          <a:p>
-            <a:endParaRPr lang="en-US" dirty="0"/>
-          </a:p>
-        </p:txBody>
-      </p:sp>
-    </p:spTree>
-    <p:extLst>
-      <p:ext uri="{BB962C8B-B14F-4D97-AF65-F5344CB8AC3E}">
-        <p14:creationId xmlns:p14="http://schemas.microsoft.com/office/powerpoint/2010/main" val="172273315"/>
-      </p:ext>
-    </p:extLst>
-  </p:cSld>
-  <p:clrMapOvr>
-    <a:masterClrMapping/>
-  </p:clrMapOvr>
-  <p:timing>
-    <p:tnLst>
-      <p:par>
-        <p:cTn id="1" dur="indefinite" restart="never" nodeType="tmRoot"/>
-      </p:par>
-    </p:tnLst>
-  </p:timing>
-</p:sld>
-</file>
-
 <file path=ppt/slides/slide7.xml><?xml version="1.0" encoding="utf-8"?>
 <p:sld xmlns:a="http://schemas.openxmlformats.org/drawingml/2006/main" xmlns:r="http://schemas.openxmlformats.org/officeDocument/2006/relationships" xmlns:p="http://schemas.openxmlformats.org/presentationml/2006/main">
   <p:cSld>
@@ -7771,8 +7815,12 @@
           <a:lstStyle/>
           <a:p>
             <a:r>
+              <a:rPr lang="en-US" dirty="0"/>
+              <a:t>C</a:t>
+            </a:r>
+            <a:r>
               <a:rPr lang="en-US" dirty="0" smtClean="0"/>
-              <a:t>Other attempts</a:t>
+              <a:t>hallenge</a:t>
             </a:r>
             <a:endParaRPr lang="en-US" dirty="0"/>
           </a:p>
@@ -7794,61 +7842,17 @@
           <a:lstStyle/>
           <a:p>
             <a:r>
-              <a:rPr lang="en-US" dirty="0"/>
-              <a:t>A</a:t>
-            </a:r>
-            <a:r>
               <a:rPr lang="en-US" dirty="0" smtClean="0"/>
-              <a:t>dd other remote nodes to pi-cluster, but it is behind the firewall,  very difficult.</a:t>
-            </a:r>
-          </a:p>
-          <a:p>
-            <a:r>
-              <a:rPr lang="en-US" dirty="0"/>
-              <a:t>P</a:t>
-            </a:r>
+              <a:t>Serial code is giving more accurate results(the correct digits after decimal point) than the parallel code.</a:t>
+            </a:r>
+          </a:p>
+          <a:p>
             <a:r>
               <a:rPr lang="en-US" dirty="0" smtClean="0"/>
-              <a:t>ropose Matrix multiply but it is too common.</a:t>
-            </a:r>
-          </a:p>
-          <a:p>
-            <a:r>
-              <a:rPr lang="en-US" dirty="0"/>
-              <a:t>S</a:t>
-            </a:r>
-            <a:r>
-              <a:rPr lang="en-US" dirty="0" smtClean="0"/>
-              <a:t>olve </a:t>
-            </a:r>
-            <a:r>
-              <a:rPr lang="en-US" dirty="0"/>
-              <a:t>Ordinary differential </a:t>
-            </a:r>
-            <a:r>
-              <a:rPr lang="en-US" dirty="0" smtClean="0"/>
-              <a:t>equation using parallel code, then find that the data points are dependent, there are articles about 4</a:t>
-            </a:r>
-            <a:r>
-              <a:rPr lang="en-US" baseline="30000" dirty="0" smtClean="0"/>
-              <a:t>th</a:t>
-            </a:r>
-            <a:r>
-              <a:rPr lang="en-US" dirty="0" smtClean="0"/>
-              <a:t> order problem, could not understand.</a:t>
-            </a:r>
-          </a:p>
-          <a:p>
-            <a:r>
-              <a:rPr lang="en-US" dirty="0" smtClean="0"/>
-              <a:t>Solve initial condition boundary optimization problem using parallel code, but it also requires gradient search that is dependent.</a:t>
-            </a:r>
-          </a:p>
-          <a:p>
-            <a:r>
-              <a:rPr lang="en-US" dirty="0" smtClean="0"/>
-              <a:t>Finally find that the integral would not be dependent so attempt on find pi with integration.</a:t>
-            </a:r>
+              <a:t>Probably cause by when the double precision data is passed among the nodes, the last few digits of the double precision data is not holding pretty good, rounding errors, cause the calculation of pi last few digits after the decimal points are not correct.</a:t>
+            </a:r>
+          </a:p>
+          <a:p>
             <a:endParaRPr lang="en-US" dirty="0"/>
           </a:p>
         </p:txBody>
@@ -7856,7 +7860,7 @@
     </p:spTree>
     <p:extLst>
       <p:ext uri="{BB962C8B-B14F-4D97-AF65-F5344CB8AC3E}">
-        <p14:creationId xmlns:p14="http://schemas.microsoft.com/office/powerpoint/2010/main" val="1083469700"/>
+        <p14:creationId xmlns:p14="http://schemas.microsoft.com/office/powerpoint/2010/main" val="172273315"/>
       </p:ext>
     </p:extLst>
   </p:cSld>
